--- a/Design.pptx
+++ b/Design.pptx
@@ -5923,6 +5923,69 @@
           </a:p>
         </p:txBody>
       </p:sp>
+      <p:sp>
+        <p:nvSpPr>
+          <p:cNvPr id="2" name="椭圆 1">
+            <a:extLst>
+              <a:ext uri="{FF2B5EF4-FFF2-40B4-BE49-F238E27FC236}">
+                <a16:creationId xmlns:a16="http://schemas.microsoft.com/office/drawing/2014/main" id="{72AAA206-C4FB-4930-A5AE-CAF90955D631}"/>
+              </a:ext>
+            </a:extLst>
+          </p:cNvPr>
+          <p:cNvSpPr/>
+          <p:nvPr/>
+        </p:nvSpPr>
+        <p:spPr>
+          <a:xfrm>
+            <a:off x="2106137" y="1369561"/>
+            <a:ext cx="900000" cy="900000"/>
+          </a:xfrm>
+          <a:prstGeom prst="ellipse">
+            <a:avLst/>
+          </a:prstGeom>
+          <a:blipFill dpi="0" rotWithShape="1">
+            <a:blip r:embed="rId6">
+              <a:extLst>
+                <a:ext uri="{28A0092B-C50C-407E-A947-70E740481C1C}">
+                  <a14:useLocalDpi xmlns:a14="http://schemas.microsoft.com/office/drawing/2010/main" val="0"/>
+                </a:ext>
+              </a:extLst>
+            </a:blip>
+            <a:srcRect/>
+            <a:stretch>
+              <a:fillRect/>
+            </a:stretch>
+          </a:blipFill>
+          <a:ln>
+            <a:noFill/>
+          </a:ln>
+          <a:effectLst/>
+        </p:spPr>
+        <p:style>
+          <a:lnRef idx="2">
+            <a:schemeClr val="accent1">
+              <a:shade val="50000"/>
+            </a:schemeClr>
+          </a:lnRef>
+          <a:fillRef idx="1">
+            <a:schemeClr val="accent1"/>
+          </a:fillRef>
+          <a:effectRef idx="0">
+            <a:schemeClr val="accent1"/>
+          </a:effectRef>
+          <a:fontRef idx="minor">
+            <a:schemeClr val="lt1"/>
+          </a:fontRef>
+        </p:style>
+        <p:txBody>
+          <a:bodyPr rtlCol="0" anchor="ctr"/>
+          <a:lstStyle/>
+          <a:p>
+            <a:pPr algn="ctr"/>
+            <a:endParaRPr lang="zh-CN" altLang="en-US"/>
+          </a:p>
+        </p:txBody>
+      </p:sp>
     </p:spTree>
     <p:extLst>
       <p:ext uri="{BB962C8B-B14F-4D97-AF65-F5344CB8AC3E}">
@@ -7667,10 +7730,65 @@
       </p:sp>
       <p:sp>
         <p:nvSpPr>
-          <p:cNvPr id="2" name="椭圆 1">
-            <a:extLst>
-              <a:ext uri="{FF2B5EF4-FFF2-40B4-BE49-F238E27FC236}">
-                <a16:creationId xmlns:a16="http://schemas.microsoft.com/office/drawing/2014/main" id="{AA3B2593-585B-4EF8-A655-DEA512E91A5A}"/>
+          <p:cNvPr id="6" name="矩形 5">
+            <a:extLst>
+              <a:ext uri="{FF2B5EF4-FFF2-40B4-BE49-F238E27FC236}">
+                <a16:creationId xmlns:a16="http://schemas.microsoft.com/office/drawing/2014/main" id="{C5149C1F-D053-45E6-B0E4-B65A0DA1364D}"/>
+              </a:ext>
+            </a:extLst>
+          </p:cNvPr>
+          <p:cNvSpPr/>
+          <p:nvPr/>
+        </p:nvSpPr>
+        <p:spPr>
+          <a:xfrm>
+            <a:off x="3167641" y="1433383"/>
+            <a:ext cx="5856716" cy="3991232"/>
+          </a:xfrm>
+          <a:prstGeom prst="rect">
+            <a:avLst/>
+          </a:prstGeom>
+          <a:solidFill>
+            <a:schemeClr val="tx1">
+              <a:alpha val="20000"/>
+            </a:schemeClr>
+          </a:solidFill>
+          <a:ln>
+            <a:noFill/>
+          </a:ln>
+          <a:effectLst/>
+        </p:spPr>
+        <p:style>
+          <a:lnRef idx="2">
+            <a:schemeClr val="accent1">
+              <a:shade val="50000"/>
+            </a:schemeClr>
+          </a:lnRef>
+          <a:fillRef idx="1">
+            <a:schemeClr val="accent1"/>
+          </a:fillRef>
+          <a:effectRef idx="0">
+            <a:schemeClr val="accent1"/>
+          </a:effectRef>
+          <a:fontRef idx="minor">
+            <a:schemeClr val="lt1"/>
+          </a:fontRef>
+        </p:style>
+        <p:txBody>
+          <a:bodyPr rtlCol="0" anchor="ctr"/>
+          <a:lstStyle/>
+          <a:p>
+            <a:pPr algn="ctr"/>
+            <a:endParaRPr lang="zh-CN" altLang="en-US"/>
+          </a:p>
+        </p:txBody>
+      </p:sp>
+      <p:sp>
+        <p:nvSpPr>
+          <p:cNvPr id="3" name="矩形: 圆角 2">
+            <a:extLst>
+              <a:ext uri="{FF2B5EF4-FFF2-40B4-BE49-F238E27FC236}">
+                <a16:creationId xmlns:a16="http://schemas.microsoft.com/office/drawing/2014/main" id="{EC83C59F-40CA-42B4-9E8A-016AA3809CD5}"/>
               </a:ext>
             </a:extLst>
           </p:cNvPr>
@@ -7681,11 +7799,118 @@
         </p:nvSpPr>
         <p:spPr>
           <a:xfrm>
-            <a:off x="4059974" y="3173704"/>
-            <a:ext cx="720000" cy="720000"/>
+            <a:off x="4779974" y="2860283"/>
+            <a:ext cx="2775153" cy="1544833"/>
           </a:xfrm>
-          <a:prstGeom prst="ellipse">
+          <a:prstGeom prst="roundRect">
+            <a:avLst>
+              <a:gd name="adj" fmla="val 5110"/>
+            </a:avLst>
+          </a:prstGeom>
+          <a:solidFill>
+            <a:schemeClr val="bg1"/>
+          </a:solidFill>
+          <a:ln>
+            <a:noFill/>
+          </a:ln>
+          <a:effectLst>
+            <a:outerShdw blurRad="50800" dist="38100" dir="5400000" algn="t" rotWithShape="0">
+              <a:prstClr val="black">
+                <a:alpha val="20000"/>
+              </a:prstClr>
+            </a:outerShdw>
+          </a:effectLst>
+        </p:spPr>
+        <p:style>
+          <a:lnRef idx="2">
+            <a:schemeClr val="accent1">
+              <a:shade val="50000"/>
+            </a:schemeClr>
+          </a:lnRef>
+          <a:fillRef idx="1">
+            <a:schemeClr val="accent1"/>
+          </a:fillRef>
+          <a:effectRef idx="0">
+            <a:schemeClr val="accent1"/>
+          </a:effectRef>
+          <a:fontRef idx="minor">
+            <a:schemeClr val="lt1"/>
+          </a:fontRef>
+        </p:style>
+        <p:txBody>
+          <a:bodyPr rtlCol="0" anchor="ctr"/>
+          <a:lstStyle/>
+          <a:p>
+            <a:pPr algn="ctr"/>
+            <a:endParaRPr lang="zh-CN" altLang="en-US"/>
+          </a:p>
+        </p:txBody>
+      </p:sp>
+      <p:sp>
+        <p:nvSpPr>
+          <p:cNvPr id="10" name="文本框 9">
+            <a:extLst>
+              <a:ext uri="{FF2B5EF4-FFF2-40B4-BE49-F238E27FC236}">
+                <a16:creationId xmlns:a16="http://schemas.microsoft.com/office/drawing/2014/main" id="{EE4B296A-5158-4FC3-A157-DB60A7CB7DD3}"/>
+              </a:ext>
+            </a:extLst>
+          </p:cNvPr>
+          <p:cNvSpPr txBox="1"/>
+          <p:nvPr/>
+        </p:nvSpPr>
+        <p:spPr>
+          <a:xfrm>
+            <a:off x="5818737" y="3220283"/>
+            <a:ext cx="697627" cy="246221"/>
+          </a:xfrm>
+          <a:prstGeom prst="rect">
             <a:avLst/>
+          </a:prstGeom>
+          <a:noFill/>
+        </p:spPr>
+        <p:txBody>
+          <a:bodyPr wrap="none" rtlCol="0">
+            <a:spAutoFit/>
+          </a:bodyPr>
+          <a:lstStyle/>
+          <a:p>
+            <a:pPr algn="ctr"/>
+            <a:r>
+              <a:rPr lang="zh-CN" altLang="en-US" sz="1000">
+                <a:solidFill>
+                  <a:srgbClr val="595959"/>
+                </a:solidFill>
+                <a:latin typeface="微软雅黑" panose="020B0503020204020204" pitchFamily="34" charset="-122"/>
+                <a:ea typeface="微软雅黑" panose="020B0503020204020204" pitchFamily="34" charset="-122"/>
+              </a:rPr>
+              <a:t>连接出错</a:t>
+            </a:r>
+          </a:p>
+        </p:txBody>
+      </p:sp>
+      <p:sp>
+        <p:nvSpPr>
+          <p:cNvPr id="14" name="矩形: 圆角 13">
+            <a:extLst>
+              <a:ext uri="{FF2B5EF4-FFF2-40B4-BE49-F238E27FC236}">
+                <a16:creationId xmlns:a16="http://schemas.microsoft.com/office/drawing/2014/main" id="{04DA875A-4A86-4CB0-B885-908C7A2B61D8}"/>
+              </a:ext>
+            </a:extLst>
+          </p:cNvPr>
+          <p:cNvSpPr>
+            <a:spLocks noChangeAspect="1"/>
+          </p:cNvSpPr>
+          <p:nvPr/>
+        </p:nvSpPr>
+        <p:spPr>
+          <a:xfrm>
+            <a:off x="5838177" y="4287069"/>
+            <a:ext cx="678187" cy="236094"/>
+          </a:xfrm>
+          <a:prstGeom prst="roundRect">
+            <a:avLst>
+              <a:gd name="adj" fmla="val 50000"/>
+            </a:avLst>
           </a:prstGeom>
           <a:gradFill flip="none" rotWithShape="1">
             <a:gsLst>
@@ -7696,8 +7921,10 @@
                 <a:srgbClr val="15F7FF"/>
               </a:gs>
             </a:gsLst>
-            <a:lin ang="5400000" scaled="1"/>
-            <a:tileRect/>
+            <a:path path="circle">
+              <a:fillToRect l="100000" t="100000"/>
+            </a:path>
+            <a:tileRect r="-100000" b="-100000"/>
           </a:gradFill>
           <a:ln>
             <a:noFill/>
@@ -7735,206 +7962,34 @@
           </a:p>
         </p:txBody>
       </p:sp>
-      <p:sp>
-        <p:nvSpPr>
-          <p:cNvPr id="18" name="任意多边形: 形状 17">
-            <a:extLst>
-              <a:ext uri="{FF2B5EF4-FFF2-40B4-BE49-F238E27FC236}">
-                <a16:creationId xmlns:a16="http://schemas.microsoft.com/office/drawing/2014/main" id="{9728F151-7611-409A-B96F-CE29E92B75F4}"/>
-              </a:ext>
-            </a:extLst>
-          </p:cNvPr>
-          <p:cNvSpPr>
-            <a:spLocks noChangeAspect="1"/>
-          </p:cNvSpPr>
-          <p:nvPr/>
-        </p:nvSpPr>
-        <p:spPr>
-          <a:xfrm>
-            <a:off x="4167974" y="3533704"/>
-            <a:ext cx="504000" cy="252000"/>
-          </a:xfrm>
-          <a:custGeom>
-            <a:avLst/>
-            <a:gdLst>
-              <a:gd name="connsiteX0" fmla="*/ 0 w 720000"/>
-              <a:gd name="connsiteY0" fmla="*/ 0 h 360000"/>
-              <a:gd name="connsiteX1" fmla="*/ 720000 w 720000"/>
-              <a:gd name="connsiteY1" fmla="*/ 0 h 360000"/>
-              <a:gd name="connsiteX2" fmla="*/ 360000 w 720000"/>
-              <a:gd name="connsiteY2" fmla="*/ 360000 h 360000"/>
-              <a:gd name="connsiteX3" fmla="*/ 0 w 720000"/>
-              <a:gd name="connsiteY3" fmla="*/ 0 h 360000"/>
-            </a:gdLst>
-            <a:ahLst/>
-            <a:cxnLst>
-              <a:cxn ang="0">
-                <a:pos x="connsiteX0" y="connsiteY0"/>
-              </a:cxn>
-              <a:cxn ang="0">
-                <a:pos x="connsiteX1" y="connsiteY1"/>
-              </a:cxn>
-              <a:cxn ang="0">
-                <a:pos x="connsiteX2" y="connsiteY2"/>
-              </a:cxn>
-              <a:cxn ang="0">
-                <a:pos x="connsiteX3" y="connsiteY3"/>
-              </a:cxn>
-            </a:cxnLst>
-            <a:rect l="l" t="t" r="r" b="b"/>
-            <a:pathLst>
-              <a:path w="720000" h="360000">
-                <a:moveTo>
-                  <a:pt x="0" y="0"/>
-                </a:moveTo>
-                <a:lnTo>
-                  <a:pt x="720000" y="0"/>
-                </a:lnTo>
-                <a:cubicBezTo>
-                  <a:pt x="720000" y="198823"/>
-                  <a:pt x="558823" y="360000"/>
-                  <a:pt x="360000" y="360000"/>
-                </a:cubicBezTo>
-                <a:cubicBezTo>
-                  <a:pt x="161177" y="360000"/>
-                  <a:pt x="0" y="198823"/>
-                  <a:pt x="0" y="0"/>
-                </a:cubicBezTo>
-                <a:close/>
-              </a:path>
-            </a:pathLst>
-          </a:custGeom>
-          <a:solidFill>
-            <a:schemeClr val="bg1"/>
-          </a:solidFill>
-          <a:ln>
-            <a:noFill/>
-          </a:ln>
-          <a:effectLst/>
-        </p:spPr>
-        <p:style>
-          <a:lnRef idx="2">
-            <a:schemeClr val="accent1">
-              <a:shade val="50000"/>
-            </a:schemeClr>
-          </a:lnRef>
-          <a:fillRef idx="1">
-            <a:schemeClr val="accent1"/>
-          </a:fillRef>
-          <a:effectRef idx="0">
-            <a:schemeClr val="accent1"/>
-          </a:effectRef>
-          <a:fontRef idx="minor">
-            <a:schemeClr val="lt1"/>
-          </a:fontRef>
-        </p:style>
-        <p:txBody>
-          <a:bodyPr wrap="square" rtlCol="0" anchor="ctr">
-            <a:noAutofit/>
-          </a:bodyPr>
-          <a:lstStyle/>
-          <a:p>
-            <a:pPr algn="ctr"/>
-            <a:endParaRPr lang="zh-CN" altLang="en-US"/>
-          </a:p>
-        </p:txBody>
-      </p:sp>
-      <p:sp>
-        <p:nvSpPr>
-          <p:cNvPr id="8" name="流程图: 手动输入 7">
-            <a:extLst>
-              <a:ext uri="{FF2B5EF4-FFF2-40B4-BE49-F238E27FC236}">
-                <a16:creationId xmlns:a16="http://schemas.microsoft.com/office/drawing/2014/main" id="{D006FD62-FA0E-4F2E-AC4C-68B1FBB5EAF7}"/>
-              </a:ext>
-            </a:extLst>
-          </p:cNvPr>
-          <p:cNvSpPr>
-            <a:spLocks noChangeAspect="1"/>
-          </p:cNvSpPr>
-          <p:nvPr/>
-        </p:nvSpPr>
-        <p:spPr>
-          <a:xfrm rot="5400000" flipV="1">
-            <a:off x="4458153" y="3319881"/>
-            <a:ext cx="175647" cy="251999"/>
-          </a:xfrm>
-          <a:prstGeom prst="flowChartManualInput">
-            <a:avLst/>
-          </a:prstGeom>
-          <a:gradFill flip="none" rotWithShape="1">
-            <a:gsLst>
-              <a:gs pos="0">
-                <a:schemeClr val="bg1"/>
-              </a:gs>
-              <a:gs pos="100000">
-                <a:schemeClr val="bg1">
-                  <a:alpha val="80000"/>
-                </a:schemeClr>
-              </a:gs>
-            </a:gsLst>
-            <a:path path="circle">
-              <a:fillToRect t="100000" r="100000"/>
-            </a:path>
-            <a:tileRect l="-100000" b="-100000"/>
-          </a:gradFill>
-          <a:ln>
-            <a:noFill/>
-          </a:ln>
-          <a:effectLst/>
-        </p:spPr>
-        <p:style>
-          <a:lnRef idx="2">
-            <a:schemeClr val="accent1">
-              <a:shade val="50000"/>
-            </a:schemeClr>
-          </a:lnRef>
-          <a:fillRef idx="1">
-            <a:schemeClr val="accent1"/>
-          </a:fillRef>
-          <a:effectRef idx="0">
-            <a:schemeClr val="accent1"/>
-          </a:effectRef>
-          <a:fontRef idx="minor">
-            <a:schemeClr val="lt1"/>
-          </a:fontRef>
-        </p:style>
-        <p:txBody>
-          <a:bodyPr wrap="square" rtlCol="0" anchor="ctr">
-            <a:noAutofit/>
-          </a:bodyPr>
-          <a:lstStyle/>
-          <a:p>
-            <a:pPr algn="ctr"/>
-            <a:endParaRPr lang="zh-CN" altLang="en-US"/>
-          </a:p>
-        </p:txBody>
-      </p:sp>
       <p:grpSp>
         <p:nvGrpSpPr>
-          <p:cNvPr id="9" name="组合 8">
-            <a:extLst>
-              <a:ext uri="{FF2B5EF4-FFF2-40B4-BE49-F238E27FC236}">
-                <a16:creationId xmlns:a16="http://schemas.microsoft.com/office/drawing/2014/main" id="{FBEA2A51-0C2A-4ED4-8A4E-13A78C0DBF75}"/>
-              </a:ext>
-            </a:extLst>
-          </p:cNvPr>
-          <p:cNvGrpSpPr/>
+          <p:cNvPr id="30" name="组合 29">
+            <a:extLst>
+              <a:ext uri="{FF2B5EF4-FFF2-40B4-BE49-F238E27FC236}">
+                <a16:creationId xmlns:a16="http://schemas.microsoft.com/office/drawing/2014/main" id="{62D04292-EDB6-4AEE-A5D5-E729F0B16A6E}"/>
+              </a:ext>
+            </a:extLst>
+          </p:cNvPr>
+          <p:cNvGrpSpPr>
+            <a:grpSpLocks noChangeAspect="1"/>
+          </p:cNvGrpSpPr>
           <p:nvPr/>
         </p:nvGrpSpPr>
         <p:grpSpPr>
           <a:xfrm>
-            <a:off x="4708422" y="2763281"/>
-            <a:ext cx="2775153" cy="1544834"/>
-            <a:chOff x="4230489" y="2518694"/>
-            <a:chExt cx="3865935" cy="2093281"/>
+            <a:off x="5987550" y="2672035"/>
+            <a:ext cx="360000" cy="360000"/>
+            <a:chOff x="5915550" y="2608281"/>
+            <a:chExt cx="504000" cy="504000"/>
           </a:xfrm>
         </p:grpSpPr>
         <p:sp>
           <p:nvSpPr>
-            <p:cNvPr id="3" name="矩形: 圆角 2">
+            <p:cNvPr id="2" name="椭圆 1">
               <a:extLst>
                 <a:ext uri="{FF2B5EF4-FFF2-40B4-BE49-F238E27FC236}">
-                  <a16:creationId xmlns:a16="http://schemas.microsoft.com/office/drawing/2014/main" id="{EC83C59F-40CA-42B4-9E8A-016AA3809CD5}"/>
+                  <a16:creationId xmlns:a16="http://schemas.microsoft.com/office/drawing/2014/main" id="{AA3B2593-585B-4EF8-A655-DEA512E91A5A}"/>
                 </a:ext>
               </a:extLst>
             </p:cNvPr>
@@ -7945,21 +8000,19 @@
           </p:nvSpPr>
           <p:spPr>
             <a:xfrm>
-              <a:off x="4230489" y="2518694"/>
-              <a:ext cx="3865935" cy="2093281"/>
+              <a:off x="5915550" y="2608281"/>
+              <a:ext cx="504000" cy="504000"/>
             </a:xfrm>
-            <a:prstGeom prst="roundRect">
-              <a:avLst>
-                <a:gd name="adj" fmla="val 8336"/>
-              </a:avLst>
+            <a:prstGeom prst="ellipse">
+              <a:avLst/>
             </a:prstGeom>
             <a:gradFill flip="none" rotWithShape="1">
               <a:gsLst>
                 <a:gs pos="0">
-                  <a:srgbClr val="09CCFF"/>
+                  <a:srgbClr val="FE5439"/>
                 </a:gs>
                 <a:gs pos="100000">
-                  <a:srgbClr val="15F7FF"/>
+                  <a:srgbClr val="FF0000"/>
                 </a:gs>
               </a:gsLst>
               <a:lin ang="5400000" scaled="1"/>
@@ -8001,136 +8054,115 @@
             </a:p>
           </p:txBody>
         </p:sp>
-        <p:sp>
-          <p:nvSpPr>
-            <p:cNvPr id="19" name="任意多边形: 形状 18">
+        <p:grpSp>
+          <p:nvGrpSpPr>
+            <p:cNvPr id="29" name="组合 28">
               <a:extLst>
                 <a:ext uri="{FF2B5EF4-FFF2-40B4-BE49-F238E27FC236}">
-                  <a16:creationId xmlns:a16="http://schemas.microsoft.com/office/drawing/2014/main" id="{B85AEAE5-4BE9-42B1-B821-45E3B2D2F88F}"/>
+                  <a16:creationId xmlns:a16="http://schemas.microsoft.com/office/drawing/2014/main" id="{442C276D-B9B5-4411-A282-79C1829696E2}"/>
                 </a:ext>
               </a:extLst>
             </p:cNvPr>
-            <p:cNvSpPr>
-              <a:spLocks noChangeAspect="1"/>
-            </p:cNvSpPr>
+            <p:cNvGrpSpPr/>
             <p:nvPr/>
-          </p:nvSpPr>
-          <p:spPr>
+          </p:nvGrpSpPr>
+          <p:grpSpPr>
             <a:xfrm>
-              <a:off x="4230489" y="2936199"/>
-              <a:ext cx="3865935" cy="1675776"/>
+              <a:off x="6079350" y="2772081"/>
+              <a:ext cx="176400" cy="176400"/>
+              <a:chOff x="6086806" y="2773713"/>
+              <a:chExt cx="176400" cy="176400"/>
             </a:xfrm>
-            <a:custGeom>
-              <a:avLst/>
-              <a:gdLst>
-                <a:gd name="connsiteX0" fmla="*/ 0 w 3865935"/>
-                <a:gd name="connsiteY0" fmla="*/ 0 h 1675776"/>
-                <a:gd name="connsiteX1" fmla="*/ 3865935 w 3865935"/>
-                <a:gd name="connsiteY1" fmla="*/ 0 h 1675776"/>
-                <a:gd name="connsiteX2" fmla="*/ 3865935 w 3865935"/>
-                <a:gd name="connsiteY2" fmla="*/ 1501280 h 1675776"/>
-                <a:gd name="connsiteX3" fmla="*/ 3691439 w 3865935"/>
-                <a:gd name="connsiteY3" fmla="*/ 1675776 h 1675776"/>
-                <a:gd name="connsiteX4" fmla="*/ 174496 w 3865935"/>
-                <a:gd name="connsiteY4" fmla="*/ 1675776 h 1675776"/>
-                <a:gd name="connsiteX5" fmla="*/ 0 w 3865935"/>
-                <a:gd name="connsiteY5" fmla="*/ 1501280 h 1675776"/>
-              </a:gdLst>
-              <a:ahLst/>
-              <a:cxnLst>
-                <a:cxn ang="0">
-                  <a:pos x="connsiteX0" y="connsiteY0"/>
-                </a:cxn>
-                <a:cxn ang="0">
-                  <a:pos x="connsiteX1" y="connsiteY1"/>
-                </a:cxn>
-                <a:cxn ang="0">
-                  <a:pos x="connsiteX2" y="connsiteY2"/>
-                </a:cxn>
-                <a:cxn ang="0">
-                  <a:pos x="connsiteX3" y="connsiteY3"/>
-                </a:cxn>
-                <a:cxn ang="0">
-                  <a:pos x="connsiteX4" y="connsiteY4"/>
-                </a:cxn>
-                <a:cxn ang="0">
-                  <a:pos x="connsiteX5" y="connsiteY5"/>
-                </a:cxn>
-              </a:cxnLst>
-              <a:rect l="l" t="t" r="r" b="b"/>
-              <a:pathLst>
-                <a:path w="3865935" h="1675776">
-                  <a:moveTo>
-                    <a:pt x="0" y="0"/>
-                  </a:moveTo>
-                  <a:lnTo>
-                    <a:pt x="3865935" y="0"/>
-                  </a:lnTo>
-                  <a:lnTo>
-                    <a:pt x="3865935" y="1501280"/>
-                  </a:lnTo>
-                  <a:cubicBezTo>
-                    <a:pt x="3865935" y="1597651"/>
-                    <a:pt x="3787810" y="1675776"/>
-                    <a:pt x="3691439" y="1675776"/>
-                  </a:cubicBezTo>
-                  <a:lnTo>
-                    <a:pt x="174496" y="1675776"/>
-                  </a:lnTo>
-                  <a:cubicBezTo>
-                    <a:pt x="78125" y="1675776"/>
-                    <a:pt x="0" y="1597651"/>
-                    <a:pt x="0" y="1501280"/>
-                  </a:cubicBezTo>
-                  <a:close/>
-                </a:path>
-              </a:pathLst>
-            </a:custGeom>
-            <a:gradFill>
-              <a:gsLst>
-                <a:gs pos="0">
-                  <a:schemeClr val="bg1">
-                    <a:alpha val="90000"/>
-                  </a:schemeClr>
-                </a:gs>
-                <a:gs pos="100000">
+          </p:grpSpPr>
+          <p:cxnSp>
+            <p:nvCxnSpPr>
+              <p:cNvPr id="16" name="直接连接符 15">
+                <a:extLst>
+                  <a:ext uri="{FF2B5EF4-FFF2-40B4-BE49-F238E27FC236}">
+                    <a16:creationId xmlns:a16="http://schemas.microsoft.com/office/drawing/2014/main" id="{1EBF91B9-024E-4D75-BD31-C53F3094B7A2}"/>
+                  </a:ext>
+                </a:extLst>
+              </p:cNvPr>
+              <p:cNvCxnSpPr>
+                <a:cxnSpLocks/>
+              </p:cNvCxnSpPr>
+              <p:nvPr/>
+            </p:nvCxnSpPr>
+            <p:spPr>
+              <a:xfrm>
+                <a:off x="6086806" y="2773713"/>
+                <a:ext cx="176400" cy="175613"/>
+              </a:xfrm>
+              <a:prstGeom prst="line">
+                <a:avLst/>
+              </a:prstGeom>
+              <a:ln w="28575" cap="rnd">
+                <a:solidFill>
                   <a:schemeClr val="bg1"/>
-                </a:gs>
-              </a:gsLst>
-              <a:lin ang="5400000" scaled="1"/>
-            </a:gradFill>
-            <a:ln>
-              <a:noFill/>
-            </a:ln>
-            <a:effectLst/>
-          </p:spPr>
-          <p:style>
-            <a:lnRef idx="2">
-              <a:schemeClr val="accent1">
-                <a:shade val="50000"/>
-              </a:schemeClr>
-            </a:lnRef>
-            <a:fillRef idx="1">
-              <a:schemeClr val="accent1"/>
-            </a:fillRef>
-            <a:effectRef idx="0">
-              <a:schemeClr val="accent1"/>
-            </a:effectRef>
-            <a:fontRef idx="minor">
-              <a:schemeClr val="lt1"/>
-            </a:fontRef>
-          </p:style>
-          <p:txBody>
-            <a:bodyPr wrap="square" rtlCol="0" anchor="ctr">
-              <a:noAutofit/>
-            </a:bodyPr>
-            <a:lstStyle/>
-            <a:p>
-              <a:pPr algn="ctr"/>
-              <a:endParaRPr lang="zh-CN" altLang="en-US"/>
-            </a:p>
-          </p:txBody>
-        </p:sp>
+                </a:solidFill>
+                <a:round/>
+              </a:ln>
+            </p:spPr>
+            <p:style>
+              <a:lnRef idx="1">
+                <a:schemeClr val="accent1"/>
+              </a:lnRef>
+              <a:fillRef idx="0">
+                <a:schemeClr val="accent1"/>
+              </a:fillRef>
+              <a:effectRef idx="0">
+                <a:schemeClr val="accent1"/>
+              </a:effectRef>
+              <a:fontRef idx="minor">
+                <a:schemeClr val="tx1"/>
+              </a:fontRef>
+            </p:style>
+          </p:cxnSp>
+          <p:cxnSp>
+            <p:nvCxnSpPr>
+              <p:cNvPr id="32" name="直接连接符 31">
+                <a:extLst>
+                  <a:ext uri="{FF2B5EF4-FFF2-40B4-BE49-F238E27FC236}">
+                    <a16:creationId xmlns:a16="http://schemas.microsoft.com/office/drawing/2014/main" id="{B9973CFF-6D2F-4928-B7CF-7E151FEF13AD}"/>
+                  </a:ext>
+                </a:extLst>
+              </p:cNvPr>
+              <p:cNvCxnSpPr>
+                <a:cxnSpLocks/>
+              </p:cNvCxnSpPr>
+              <p:nvPr/>
+            </p:nvCxnSpPr>
+            <p:spPr>
+              <a:xfrm flipV="1">
+                <a:off x="6086806" y="2773713"/>
+                <a:ext cx="176400" cy="176400"/>
+              </a:xfrm>
+              <a:prstGeom prst="line">
+                <a:avLst/>
+              </a:prstGeom>
+              <a:ln w="28575" cap="rnd">
+                <a:solidFill>
+                  <a:schemeClr val="bg1"/>
+                </a:solidFill>
+                <a:round/>
+              </a:ln>
+            </p:spPr>
+            <p:style>
+              <a:lnRef idx="1">
+                <a:schemeClr val="accent1"/>
+              </a:lnRef>
+              <a:fillRef idx="0">
+                <a:schemeClr val="accent1"/>
+              </a:fillRef>
+              <a:effectRef idx="0">
+                <a:schemeClr val="accent1"/>
+              </a:effectRef>
+              <a:fontRef idx="minor">
+                <a:schemeClr val="tx1"/>
+              </a:fontRef>
+            </p:style>
+          </p:cxnSp>
+        </p:grpSp>
       </p:grpSp>
     </p:spTree>
     <p:extLst>
